--- a/Doc/day1_4_SegmentationBasics.pptx
+++ b/Doc/day1_4_SegmentationBasics.pptx
@@ -5,10 +5,10 @@
     <p:sldMasterId id="2147483648" r:id="rId1"/>
   </p:sldMasterIdLst>
   <p:notesMasterIdLst>
-    <p:notesMasterId r:id="rId13"/>
+    <p:notesMasterId r:id="rId14"/>
   </p:notesMasterIdLst>
   <p:handoutMasterIdLst>
-    <p:handoutMasterId r:id="rId14"/>
+    <p:handoutMasterId r:id="rId15"/>
   </p:handoutMasterIdLst>
   <p:sldIdLst>
     <p:sldId id="256" r:id="rId2"/>
@@ -21,7 +21,8 @@
     <p:sldId id="291" r:id="rId9"/>
     <p:sldId id="292" r:id="rId10"/>
     <p:sldId id="293" r:id="rId11"/>
-    <p:sldId id="294" r:id="rId12"/>
+    <p:sldId id="295" r:id="rId12"/>
+    <p:sldId id="294" r:id="rId13"/>
   </p:sldIdLst>
   <p:sldSz cx="9144000" cy="6858000" type="screen4x3"/>
   <p:notesSz cx="7010400" cy="9296400"/>
@@ -1162,7 +1163,7 @@
           <a:p>
             <a:fld id="{631D9270-7B54-4D7C-8DD4-CF63D88EDDCF}" type="datetimeFigureOut">
               <a:rPr lang="en-US" smtClean="0"/>
-              <a:t>2021-06-29</a:t>
+              <a:t>2022-05-24</a:t>
             </a:fld>
             <a:endParaRPr lang="en-US"/>
           </a:p>
@@ -1352,7 +1353,7 @@
               <a:pPr>
                 <a:defRPr/>
               </a:pPr>
-              <a:t>2021-06-29</a:t>
+              <a:t>2022-05-24</a:t>
             </a:fld>
             <a:endParaRPr lang="en-US"/>
           </a:p>
@@ -3979,6 +3980,246 @@
                 <a:defRPr/>
               </a:pPr>
               <a:t>11</a:t>
+            </a:fld>
+            <a:r>
+              <a:rPr lang="en-US"/>
+              <a:t> -</a:t>
+            </a:r>
+            <a:endParaRPr lang="en-US" dirty="0"/>
+          </a:p>
+        </p:txBody>
+      </p:sp>
+      <p:sp>
+        <p:nvSpPr>
+          <p:cNvPr id="5" name="Footer Placeholder 4">
+            <a:extLst>
+              <a:ext uri="{FF2B5EF4-FFF2-40B4-BE49-F238E27FC236}">
+                <a16:creationId xmlns:a16="http://schemas.microsoft.com/office/drawing/2014/main" id="{852CB50B-D5E3-4355-B65F-590E318084B1}"/>
+              </a:ext>
+            </a:extLst>
+          </p:cNvPr>
+          <p:cNvSpPr>
+            <a:spLocks noGrp="1"/>
+          </p:cNvSpPr>
+          <p:nvPr>
+            <p:ph type="ftr" sz="quarter" idx="11"/>
+          </p:nvPr>
+        </p:nvSpPr>
+        <p:spPr/>
+        <p:txBody>
+          <a:bodyPr/>
+          <a:lstStyle/>
+          <a:p>
+            <a:pPr>
+              <a:defRPr/>
+            </a:pPr>
+            <a:r>
+              <a:rPr lang="en-US" dirty="0"/>
+              <a:t>Laboratory for Percutaneous Surgery – Copyright © Queen’s University, 2019</a:t>
+            </a:r>
+          </a:p>
+        </p:txBody>
+      </p:sp>
+      <p:sp>
+        <p:nvSpPr>
+          <p:cNvPr id="2" name="Rectangle 1">
+            <a:extLst>
+              <a:ext uri="{FF2B5EF4-FFF2-40B4-BE49-F238E27FC236}">
+                <a16:creationId xmlns:a16="http://schemas.microsoft.com/office/drawing/2014/main" id="{C45BD5E6-E0FB-4C30-BC27-E3E94ED55A88}"/>
+              </a:ext>
+            </a:extLst>
+          </p:cNvPr>
+          <p:cNvSpPr/>
+          <p:nvPr/>
+        </p:nvSpPr>
+        <p:spPr>
+          <a:xfrm>
+            <a:off x="762000" y="1219200"/>
+            <a:ext cx="7772400" cy="1200329"/>
+          </a:xfrm>
+          <a:prstGeom prst="rect">
+            <a:avLst/>
+          </a:prstGeom>
+        </p:spPr>
+        <p:txBody>
+          <a:bodyPr wrap="square">
+            <a:spAutoFit/>
+          </a:bodyPr>
+          <a:lstStyle/>
+          <a:p>
+            <a:pPr marL="0" marR="0">
+              <a:spcBef>
+                <a:spcPts val="0"/>
+              </a:spcBef>
+              <a:spcAft>
+                <a:spcPts val="0"/>
+              </a:spcAft>
+            </a:pPr>
+            <a:r>
+              <a:rPr lang="en-US" b="1" dirty="0">
+                <a:latin typeface="Calibri" panose="020F0502020204030204" pitchFamily="34" charset="0"/>
+              </a:rPr>
+              <a:t>HD-BET:</a:t>
+            </a:r>
+            <a:endParaRPr lang="en-US" dirty="0">
+              <a:latin typeface="Calibri" panose="020F0502020204030204" pitchFamily="34" charset="0"/>
+            </a:endParaRPr>
+          </a:p>
+          <a:p>
+            <a:pPr marL="342900" fontAlgn="ctr">
+              <a:spcBef>
+                <a:spcPts val="0"/>
+              </a:spcBef>
+              <a:spcAft>
+                <a:spcPts val="0"/>
+              </a:spcAft>
+              <a:buFont typeface="Arial" panose="020B0604020202020204" pitchFamily="34" charset="0"/>
+              <a:buChar char="•"/>
+            </a:pPr>
+            <a:r>
+              <a:rPr lang="en-US" dirty="0">
+                <a:latin typeface="Calibri" panose="020F0502020204030204" pitchFamily="34" charset="0"/>
+              </a:rPr>
+              <a:t>Uses </a:t>
+            </a:r>
+            <a:r>
+              <a:rPr lang="en-US" dirty="0" err="1">
+                <a:latin typeface="Calibri" panose="020F0502020204030204" pitchFamily="34" charset="0"/>
+              </a:rPr>
+              <a:t>pytorch</a:t>
+            </a:r>
+            <a:endParaRPr lang="en-US" dirty="0">
+              <a:latin typeface="Calibri" panose="020F0502020204030204" pitchFamily="34" charset="0"/>
+            </a:endParaRPr>
+          </a:p>
+          <a:p>
+            <a:pPr marL="342900" fontAlgn="ctr">
+              <a:spcBef>
+                <a:spcPts val="0"/>
+              </a:spcBef>
+              <a:spcAft>
+                <a:spcPts val="0"/>
+              </a:spcAft>
+              <a:buFont typeface="Arial" panose="020B0604020202020204" pitchFamily="34" charset="0"/>
+              <a:buChar char="•"/>
+            </a:pPr>
+            <a:r>
+              <a:rPr lang="en-US" dirty="0">
+                <a:latin typeface="Calibri" panose="020F0502020204030204" pitchFamily="34" charset="0"/>
+              </a:rPr>
+              <a:t>MRBrainTumor1</a:t>
+            </a:r>
+          </a:p>
+          <a:p>
+            <a:pPr marL="0" marR="0">
+              <a:spcBef>
+                <a:spcPts val="0"/>
+              </a:spcBef>
+              <a:spcAft>
+                <a:spcPts val="0"/>
+              </a:spcAft>
+            </a:pPr>
+            <a:r>
+              <a:rPr lang="en-US" dirty="0">
+                <a:latin typeface="Calibri" panose="020F0502020204030204" pitchFamily="34" charset="0"/>
+              </a:rPr>
+              <a:t> </a:t>
+            </a:r>
+          </a:p>
+        </p:txBody>
+      </p:sp>
+    </p:spTree>
+    <p:extLst>
+      <p:ext uri="{BB962C8B-B14F-4D97-AF65-F5344CB8AC3E}">
+        <p14:creationId xmlns:p14="http://schemas.microsoft.com/office/powerpoint/2010/main" val="3353445889"/>
+      </p:ext>
+    </p:extLst>
+  </p:cSld>
+  <p:clrMapOvr>
+    <a:masterClrMapping/>
+  </p:clrMapOvr>
+</p:sld>
+</file>
+
+<file path=ppt/slides/slide12.xml><?xml version="1.0" encoding="utf-8"?>
+<p:sld xmlns:a="http://schemas.openxmlformats.org/drawingml/2006/main" xmlns:r="http://schemas.openxmlformats.org/officeDocument/2006/relationships" xmlns:p="http://schemas.openxmlformats.org/presentationml/2006/main">
+  <p:cSld>
+    <p:spTree>
+      <p:nvGrpSpPr>
+        <p:cNvPr id="1" name=""/>
+        <p:cNvGrpSpPr/>
+        <p:nvPr/>
+      </p:nvGrpSpPr>
+      <p:grpSpPr>
+        <a:xfrm>
+          <a:off x="0" y="0"/>
+          <a:ext cx="0" cy="0"/>
+          <a:chOff x="0" y="0"/>
+          <a:chExt cx="0" cy="0"/>
+        </a:xfrm>
+      </p:grpSpPr>
+      <p:sp>
+        <p:nvSpPr>
+          <p:cNvPr id="3" name="Title 2">
+            <a:extLst>
+              <a:ext uri="{FF2B5EF4-FFF2-40B4-BE49-F238E27FC236}">
+                <a16:creationId xmlns:a16="http://schemas.microsoft.com/office/drawing/2014/main" id="{8B748FCF-2417-43B6-BC14-A25460279041}"/>
+              </a:ext>
+            </a:extLst>
+          </p:cNvPr>
+          <p:cNvSpPr>
+            <a:spLocks noGrp="1"/>
+          </p:cNvSpPr>
+          <p:nvPr>
+            <p:ph type="title"/>
+          </p:nvPr>
+        </p:nvSpPr>
+        <p:spPr/>
+        <p:txBody>
+          <a:bodyPr/>
+          <a:lstStyle/>
+          <a:p>
+            <a:r>
+              <a:rPr lang="en-US" dirty="0"/>
+              <a:t>Hands-on</a:t>
+            </a:r>
+          </a:p>
+        </p:txBody>
+      </p:sp>
+      <p:sp>
+        <p:nvSpPr>
+          <p:cNvPr id="4" name="Slide Number Placeholder 3">
+            <a:extLst>
+              <a:ext uri="{FF2B5EF4-FFF2-40B4-BE49-F238E27FC236}">
+                <a16:creationId xmlns:a16="http://schemas.microsoft.com/office/drawing/2014/main" id="{77C0AD32-FF20-47EC-B731-A92765BBEF00}"/>
+              </a:ext>
+            </a:extLst>
+          </p:cNvPr>
+          <p:cNvSpPr>
+            <a:spLocks noGrp="1"/>
+          </p:cNvSpPr>
+          <p:nvPr>
+            <p:ph type="sldNum" sz="quarter" idx="10"/>
+          </p:nvPr>
+        </p:nvSpPr>
+        <p:spPr/>
+        <p:txBody>
+          <a:bodyPr/>
+          <a:lstStyle/>
+          <a:p>
+            <a:pPr algn="ctr">
+              <a:defRPr/>
+            </a:pPr>
+            <a:r>
+              <a:rPr lang="en-US"/>
+              <a:t>- </a:t>
+            </a:r>
+            <a:fld id="{CF70E430-998E-4908-836F-E9BC2B613AC2}" type="slidenum">
+              <a:rPr lang="en-US" smtClean="0"/>
+              <a:pPr algn="ctr">
+                <a:defRPr/>
+              </a:pPr>
+              <a:t>12</a:t>
             </a:fld>
             <a:r>
               <a:rPr lang="en-US"/>
